--- a/Coloração de Grafos.pptx
+++ b/Coloração de Grafos.pptx
@@ -16,39 +16,40 @@
     <p:sldId id="261" r:id="rId10"/>
     <p:sldId id="262" r:id="rId11"/>
     <p:sldId id="263" r:id="rId12"/>
+    <p:sldId id="264" r:id="rId13"/>
   </p:sldIdLst>
   <p:sldSz cy="5143500" cx="9144000"/>
   <p:notesSz cx="6858000" cy="9144000"/>
   <p:embeddedFontLst>
     <p:embeddedFont>
       <p:font typeface="Advent Pro SemiBold"/>
-      <p:regular r:id="rId13"/>
-      <p:bold r:id="rId14"/>
-      <p:italic r:id="rId15"/>
-      <p:boldItalic r:id="rId16"/>
+      <p:regular r:id="rId14"/>
+      <p:bold r:id="rId15"/>
+      <p:italic r:id="rId16"/>
+      <p:boldItalic r:id="rId17"/>
     </p:embeddedFont>
     <p:embeddedFont>
       <p:font typeface="Fira Sans Extra Condensed Medium"/>
-      <p:regular r:id="rId17"/>
-      <p:bold r:id="rId18"/>
-      <p:italic r:id="rId19"/>
-      <p:boldItalic r:id="rId20"/>
+      <p:regular r:id="rId18"/>
+      <p:bold r:id="rId19"/>
+      <p:italic r:id="rId20"/>
+      <p:boldItalic r:id="rId21"/>
     </p:embeddedFont>
     <p:embeddedFont>
       <p:font typeface="Fira Sans Condensed Medium"/>
-      <p:regular r:id="rId21"/>
-      <p:bold r:id="rId22"/>
-      <p:italic r:id="rId23"/>
-      <p:boldItalic r:id="rId24"/>
+      <p:regular r:id="rId22"/>
+      <p:bold r:id="rId23"/>
+      <p:italic r:id="rId24"/>
+      <p:boldItalic r:id="rId25"/>
     </p:embeddedFont>
     <p:embeddedFont>
       <p:font typeface="Maven Pro"/>
-      <p:regular r:id="rId25"/>
-      <p:bold r:id="rId26"/>
+      <p:regular r:id="rId26"/>
+      <p:bold r:id="rId27"/>
     </p:embeddedFont>
     <p:embeddedFont>
       <p:font typeface="Share Tech"/>
-      <p:regular r:id="rId27"/>
+      <p:regular r:id="rId28"/>
     </p:embeddedFont>
   </p:embeddedFontLst>
   <p:defaultTextStyle>
@@ -1110,7 +1111,7 @@
   <p:cSld>
     <p:spTree>
       <p:nvGrpSpPr>
-        <p:cNvPr id="480" name="Shape 480"/>
+        <p:cNvPr id="481" name="Shape 481"/>
         <p:cNvGrpSpPr/>
         <p:nvPr/>
       </p:nvGrpSpPr>
@@ -1124,7 +1125,7 @@
       </p:grpSpPr>
       <p:sp>
         <p:nvSpPr>
-          <p:cNvPr id="481" name="Google Shape;481;g317fdd9b0e1_0_61:notes"/>
+          <p:cNvPr id="482" name="Google Shape;482;g2d63d34d5ba_0_5:notes"/>
           <p:cNvSpPr/>
           <p:nvPr>
             <p:ph idx="2" type="sldImg"/>
@@ -1159,7 +1160,7 @@
       </p:sp>
       <p:sp>
         <p:nvSpPr>
-          <p:cNvPr id="482" name="Google Shape;482;g317fdd9b0e1_0_61:notes"/>
+          <p:cNvPr id="483" name="Google Shape;483;g2d63d34d5ba_0_5:notes"/>
           <p:cNvSpPr txBox="1"/>
           <p:nvPr>
             <p:ph idx="1" type="body"/>
@@ -1209,7 +1210,7 @@
   <p:cSld>
     <p:spTree>
       <p:nvGrpSpPr>
-        <p:cNvPr id="487" name="Shape 487"/>
+        <p:cNvPr id="486" name="Shape 486"/>
         <p:cNvGrpSpPr/>
         <p:nvPr/>
       </p:nvGrpSpPr>
@@ -1223,7 +1224,7 @@
       </p:grpSpPr>
       <p:sp>
         <p:nvSpPr>
-          <p:cNvPr id="488" name="Google Shape;488;g317fdd9b0e1_0_2:notes"/>
+          <p:cNvPr id="487" name="Google Shape;487;g317fdd9b0e1_0_2:notes"/>
           <p:cNvSpPr/>
           <p:nvPr>
             <p:ph idx="2" type="sldImg"/>
@@ -1258,7 +1259,7 @@
       </p:sp>
       <p:sp>
         <p:nvSpPr>
-          <p:cNvPr id="489" name="Google Shape;489;g317fdd9b0e1_0_2:notes"/>
+          <p:cNvPr id="488" name="Google Shape;488;g317fdd9b0e1_0_2:notes"/>
           <p:cNvSpPr txBox="1"/>
           <p:nvPr>
             <p:ph idx="1" type="body"/>
@@ -1308,7 +1309,7 @@
   <p:cSld>
     <p:spTree>
       <p:nvGrpSpPr>
-        <p:cNvPr id="493" name="Shape 493"/>
+        <p:cNvPr id="492" name="Shape 492"/>
         <p:cNvGrpSpPr/>
         <p:nvPr/>
       </p:nvGrpSpPr>
@@ -1322,7 +1323,7 @@
       </p:grpSpPr>
       <p:sp>
         <p:nvSpPr>
-          <p:cNvPr id="494" name="Google Shape;494;g317fdd9b0e1_0_7:notes"/>
+          <p:cNvPr id="493" name="Google Shape;493;g2d66d82273b_0_10:notes"/>
           <p:cNvSpPr/>
           <p:nvPr>
             <p:ph idx="2" type="sldImg"/>
@@ -1357,7 +1358,7 @@
       </p:sp>
       <p:sp>
         <p:nvSpPr>
-          <p:cNvPr id="495" name="Google Shape;495;g317fdd9b0e1_0_7:notes"/>
+          <p:cNvPr id="494" name="Google Shape;494;g2d66d82273b_0_10:notes"/>
           <p:cNvSpPr txBox="1"/>
           <p:nvPr>
             <p:ph idx="1" type="body"/>
@@ -1407,7 +1408,7 @@
   <p:cSld>
     <p:spTree>
       <p:nvGrpSpPr>
-        <p:cNvPr id="499" name="Shape 499"/>
+        <p:cNvPr id="498" name="Shape 498"/>
         <p:cNvGrpSpPr/>
         <p:nvPr/>
       </p:nvGrpSpPr>
@@ -1421,7 +1422,7 @@
       </p:grpSpPr>
       <p:sp>
         <p:nvSpPr>
-          <p:cNvPr id="500" name="Google Shape;500;g317fdd9b0e1_0_12:notes"/>
+          <p:cNvPr id="499" name="Google Shape;499;g317fdd9b0e1_0_7:notes"/>
           <p:cNvSpPr/>
           <p:nvPr>
             <p:ph idx="2" type="sldImg"/>
@@ -1456,7 +1457,106 @@
       </p:sp>
       <p:sp>
         <p:nvSpPr>
-          <p:cNvPr id="501" name="Google Shape;501;g317fdd9b0e1_0_12:notes"/>
+          <p:cNvPr id="500" name="Google Shape;500;g317fdd9b0e1_0_7:notes"/>
+          <p:cNvSpPr txBox="1"/>
+          <p:nvPr>
+            <p:ph idx="1" type="body"/>
+          </p:nvPr>
+        </p:nvSpPr>
+        <p:spPr>
+          <a:xfrm>
+            <a:off x="685800" y="4343400"/>
+            <a:ext cx="5486400" cy="4114800"/>
+          </a:xfrm>
+          <a:prstGeom prst="rect">
+            <a:avLst/>
+          </a:prstGeom>
+        </p:spPr>
+        <p:txBody>
+          <a:bodyPr anchorCtr="0" anchor="t" bIns="91425" lIns="91425" spcFirstLastPara="1" rIns="91425" wrap="square" tIns="91425">
+            <a:noAutofit/>
+          </a:bodyPr>
+          <a:lstStyle/>
+          <a:p>
+            <a:pPr indent="0" lvl="0" marL="0" rtl="0" algn="l">
+              <a:spcBef>
+                <a:spcPts val="0"/>
+              </a:spcBef>
+              <a:spcAft>
+                <a:spcPts val="0"/>
+              </a:spcAft>
+              <a:buNone/>
+            </a:pPr>
+            <a:r>
+              <a:t/>
+            </a:r>
+            <a:endParaRPr/>
+          </a:p>
+        </p:txBody>
+      </p:sp>
+    </p:spTree>
+  </p:cSld>
+  <p:clrMapOvr>
+    <a:masterClrMapping/>
+  </p:clrMapOvr>
+</p:notes>
+</file>
+
+<file path=ppt/notesSlides/notesSlide9.xml><?xml version="1.0" encoding="utf-8"?>
+<p:notes xmlns:a="http://schemas.openxmlformats.org/drawingml/2006/main" xmlns:r="http://schemas.openxmlformats.org/officeDocument/2006/relationships" xmlns:mc="http://schemas.openxmlformats.org/markup-compatibility/2006" xmlns:mv="urn:schemas-microsoft-com:mac:vml" xmlns:p="http://schemas.openxmlformats.org/presentationml/2006/main" xmlns:c="http://schemas.openxmlformats.org/drawingml/2006/chart" xmlns:dgm="http://schemas.openxmlformats.org/drawingml/2006/diagram" xmlns:o="urn:schemas-microsoft-com:office:office" xmlns:v="urn:schemas-microsoft-com:vml" xmlns:pvml="urn:schemas-microsoft-com:office:powerpoint" xmlns:com="http://schemas.openxmlformats.org/drawingml/2006/compatibility" xmlns:p14="http://schemas.microsoft.com/office/powerpoint/2010/main" xmlns:p15="http://schemas.microsoft.com/office/powerpoint/2012/main" xmlns:ahyp="http://schemas.microsoft.com/office/drawing/2018/hyperlinkcolor" showMasterPhAnim="0" showMasterSp="0">
+  <p:cSld>
+    <p:spTree>
+      <p:nvGrpSpPr>
+        <p:cNvPr id="504" name="Shape 504"/>
+        <p:cNvGrpSpPr/>
+        <p:nvPr/>
+      </p:nvGrpSpPr>
+      <p:grpSpPr>
+        <a:xfrm>
+          <a:off x="0" y="0"/>
+          <a:ext cx="0" cy="0"/>
+          <a:chOff x="0" y="0"/>
+          <a:chExt cx="0" cy="0"/>
+        </a:xfrm>
+      </p:grpSpPr>
+      <p:sp>
+        <p:nvSpPr>
+          <p:cNvPr id="505" name="Google Shape;505;g317fdd9b0e1_0_12:notes"/>
+          <p:cNvSpPr/>
+          <p:nvPr>
+            <p:ph idx="2" type="sldImg"/>
+          </p:nvPr>
+        </p:nvSpPr>
+        <p:spPr>
+          <a:xfrm>
+            <a:off x="381300" y="685800"/>
+            <a:ext cx="6096000" cy="3429000"/>
+          </a:xfrm>
+          <a:custGeom>
+            <a:rect b="b" l="l" r="r" t="t"/>
+            <a:pathLst>
+              <a:path extrusionOk="0" h="120000" w="120000">
+                <a:moveTo>
+                  <a:pt x="0" y="0"/>
+                </a:moveTo>
+                <a:lnTo>
+                  <a:pt x="120000" y="0"/>
+                </a:lnTo>
+                <a:lnTo>
+                  <a:pt x="120000" y="120000"/>
+                </a:lnTo>
+                <a:lnTo>
+                  <a:pt x="0" y="120000"/>
+                </a:lnTo>
+                <a:close/>
+              </a:path>
+            </a:pathLst>
+          </a:custGeom>
+        </p:spPr>
+      </p:sp>
+      <p:sp>
+        <p:nvSpPr>
+          <p:cNvPr id="506" name="Google Shape;506;g317fdd9b0e1_0_12:notes"/>
           <p:cNvSpPr txBox="1"/>
           <p:nvPr>
             <p:ph idx="1" type="body"/>
@@ -39980,7 +40080,7 @@
               <a:buChar char="●"/>
             </a:pPr>
             <a:r>
-              <a:rPr b="1" lang="en" sz="2100"/>
+              <a:rPr lang="en" sz="2100"/>
               <a:t>Atribuir cores aos vértices de um grafo.</a:t>
             </a:r>
             <a:br>
@@ -40000,10 +40100,10 @@
               <a:buChar char="●"/>
             </a:pPr>
             <a:r>
-              <a:rPr b="1" lang="en" sz="2100"/>
+              <a:rPr lang="en" sz="2100"/>
               <a:t>Regras:</a:t>
             </a:r>
-            <a:endParaRPr b="1" sz="2100"/>
+            <a:endParaRPr sz="2100"/>
           </a:p>
           <a:p>
             <a:pPr indent="-349250" lvl="1" marL="914400" rtl="0" algn="l">
@@ -40017,10 +40117,10 @@
               <a:buChar char="○"/>
             </a:pPr>
             <a:r>
-              <a:rPr b="1" lang="en" sz="2100"/>
+              <a:rPr lang="en" sz="2100"/>
               <a:t>Vértices adjacentes não podem ter a mesma cor.</a:t>
             </a:r>
-            <a:endParaRPr b="1" sz="2100"/>
+            <a:endParaRPr sz="2100"/>
           </a:p>
           <a:p>
             <a:pPr indent="-349250" lvl="1" marL="914400" rtl="0" algn="l">
@@ -40034,13 +40134,13 @@
               <a:buChar char="○"/>
             </a:pPr>
             <a:r>
-              <a:rPr b="1" lang="en" sz="2100"/>
+              <a:rPr lang="en" sz="2100"/>
               <a:t>Usar o menor número possível de cores.</a:t>
             </a:r>
             <a:br>
-              <a:rPr b="1" lang="en" sz="2100"/>
+              <a:rPr lang="en" sz="2100"/>
             </a:br>
-            <a:endParaRPr b="1" sz="2100"/>
+            <a:endParaRPr sz="2100"/>
           </a:p>
           <a:p>
             <a:pPr indent="-349250" lvl="0" marL="457200" rtl="0" algn="l">
@@ -40057,10 +40157,10 @@
               <a:buChar char="●"/>
             </a:pPr>
             <a:r>
-              <a:rPr b="1" lang="en" sz="2100"/>
+              <a:rPr lang="en" sz="2100"/>
               <a:t>Exemplo de Aplicações:</a:t>
             </a:r>
-            <a:endParaRPr b="1" sz="2100"/>
+            <a:endParaRPr sz="2100"/>
           </a:p>
           <a:p>
             <a:pPr indent="-349250" lvl="1" marL="914400" rtl="0" algn="l">
@@ -40077,10 +40177,10 @@
               <a:buChar char="○"/>
             </a:pPr>
             <a:r>
-              <a:rPr b="1" lang="en" sz="2100"/>
+              <a:rPr lang="en" sz="2100"/>
               <a:t>Alocação de frequências de rádio.</a:t>
             </a:r>
-            <a:endParaRPr b="1" sz="2100"/>
+            <a:endParaRPr sz="2100"/>
           </a:p>
           <a:p>
             <a:pPr indent="-349250" lvl="1" marL="914400" rtl="0" algn="l">
@@ -40097,10 +40197,10 @@
               <a:buChar char="○"/>
             </a:pPr>
             <a:r>
-              <a:rPr b="1" lang="en" sz="2100"/>
+              <a:rPr lang="en" sz="2100"/>
               <a:t>Programação de horários.</a:t>
             </a:r>
-            <a:endParaRPr b="1" sz="2100"/>
+            <a:endParaRPr sz="2100"/>
           </a:p>
           <a:p>
             <a:pPr indent="-349250" lvl="1" marL="914400" rtl="0" algn="l">
@@ -40117,10 +40217,10 @@
               <a:buChar char="○"/>
             </a:pPr>
             <a:r>
-              <a:rPr b="1" lang="en" sz="2100"/>
+              <a:rPr lang="en" sz="2100"/>
               <a:t>Problemas de mapas.</a:t>
             </a:r>
-            <a:endParaRPr b="1" sz="2100"/>
+            <a:endParaRPr sz="2100"/>
           </a:p>
           <a:p>
             <a:pPr indent="0" lvl="0" marL="0" rtl="0" algn="l">
@@ -40230,23 +40330,24 @@
           </a:bodyPr>
           <a:lstStyle/>
           <a:p>
-            <a:pPr indent="0" lvl="0" marL="0" rtl="0" algn="just">
-              <a:spcBef>
-                <a:spcPts val="0"/>
-              </a:spcBef>
-              <a:spcAft>
-                <a:spcPts val="0"/>
-              </a:spcAft>
-              <a:buNone/>
+            <a:pPr indent="-355600" lvl="0" marL="457200" rtl="0" algn="just">
+              <a:spcBef>
+                <a:spcPts val="0"/>
+              </a:spcBef>
+              <a:spcAft>
+                <a:spcPts val="0"/>
+              </a:spcAft>
+              <a:buSzPts val="2000"/>
+              <a:buChar char="●"/>
             </a:pPr>
             <a:r>
               <a:rPr lang="en" sz="2000"/>
-              <a:t>Atribui cores aos vértices um por um.</a:t>
+              <a:t>Começar colorindo o primeiro vértice com a cor 0.</a:t>
             </a:r>
             <a:endParaRPr sz="2000"/>
           </a:p>
           <a:p>
-            <a:pPr indent="0" lvl="0" marL="0" rtl="0" algn="just">
+            <a:pPr indent="0" lvl="0" marL="457200" rtl="0" algn="just">
               <a:spcBef>
                 <a:spcPts val="1600"/>
               </a:spcBef>
@@ -40261,22 +40362,6 @@
             <a:endParaRPr sz="2000"/>
           </a:p>
           <a:p>
-            <a:pPr indent="0" lvl="0" marL="0" rtl="0" algn="just">
-              <a:spcBef>
-                <a:spcPts val="1600"/>
-              </a:spcBef>
-              <a:spcAft>
-                <a:spcPts val="0"/>
-              </a:spcAft>
-              <a:buNone/>
-            </a:pPr>
-            <a:r>
-              <a:rPr lang="en" sz="2000"/>
-              <a:t>Regra:</a:t>
-            </a:r>
-            <a:endParaRPr sz="2000"/>
-          </a:p>
-          <a:p>
             <a:pPr indent="-355600" lvl="0" marL="457200" rtl="0" algn="just">
               <a:spcBef>
                 <a:spcPts val="1600"/>
@@ -40289,41 +40374,62 @@
             </a:pPr>
             <a:r>
               <a:rPr lang="en" sz="2000"/>
-              <a:t>Atribuir a menor cor disponível que não conflite com os vizinhos.</a:t>
+              <a:t>Para cada vértice subsequente: </a:t>
             </a:r>
             <a:endParaRPr sz="2000"/>
           </a:p>
           <a:p>
-            <a:pPr indent="0" lvl="0" marL="0" rtl="0" algn="just">
-              <a:spcBef>
-                <a:spcPts val="1600"/>
-              </a:spcBef>
-              <a:spcAft>
-                <a:spcPts val="0"/>
-              </a:spcAft>
-              <a:buNone/>
+            <a:pPr indent="-355600" lvl="1" marL="914400" rtl="0" algn="just">
+              <a:spcBef>
+                <a:spcPts val="0"/>
+              </a:spcBef>
+              <a:spcAft>
+                <a:spcPts val="0"/>
+              </a:spcAft>
+              <a:buSzPts val="2000"/>
+              <a:buChar char="○"/>
             </a:pPr>
             <a:r>
-              <a:t/>
+              <a:rPr lang="en" sz="2000"/>
+              <a:t>a) Verificar as cores dos vértices adjacentes;</a:t>
+            </a:r>
+            <a:r>
+              <a:rPr lang="en" sz="2000"/>
+              <a:t> </a:t>
             </a:r>
             <a:endParaRPr sz="2000"/>
           </a:p>
           <a:p>
-            <a:pPr indent="0" lvl="0" marL="0" rtl="0" algn="just">
-              <a:lnSpc>
-                <a:spcPct val="100000"/>
-              </a:lnSpc>
-              <a:spcBef>
-                <a:spcPts val="1600"/>
-              </a:spcBef>
-              <a:spcAft>
-                <a:spcPts val="1600"/>
-              </a:spcAft>
-              <a:buNone/>
+            <a:pPr indent="-355600" lvl="1" marL="914400" rtl="0" algn="just">
+              <a:spcBef>
+                <a:spcPts val="0"/>
+              </a:spcBef>
+              <a:spcAft>
+                <a:spcPts val="0"/>
+              </a:spcAft>
+              <a:buSzPts val="2000"/>
+              <a:buChar char="○"/>
             </a:pPr>
             <a:r>
               <a:rPr lang="en" sz="2000"/>
-              <a:t>Não garante o número mínimo absoluto de cores, mas é eficiente.</a:t>
+              <a:t>b) Marcar essas cores como indisponíveis; </a:t>
+            </a:r>
+            <a:endParaRPr sz="2000"/>
+          </a:p>
+          <a:p>
+            <a:pPr indent="-355600" lvl="1" marL="914400" rtl="0" algn="just">
+              <a:spcBef>
+                <a:spcPts val="0"/>
+              </a:spcBef>
+              <a:spcAft>
+                <a:spcPts val="0"/>
+              </a:spcAft>
+              <a:buSzPts val="2000"/>
+              <a:buChar char="○"/>
+            </a:pPr>
+            <a:r>
+              <a:rPr lang="en" sz="2000"/>
+              <a:t>c) Atribuir a menor cor disponível ao vértice atual.</a:t>
             </a:r>
             <a:br>
               <a:rPr lang="en" sz="1700"/>
@@ -40511,7 +40617,7 @@
             </a:pPr>
             <a:r>
               <a:rPr b="1" lang="en" sz="1700" u="sng"/>
-              <a:t>0  1  1  1  0  0</a:t>
+              <a:t>0  1  0  1  0  0</a:t>
             </a:r>
             <a:br>
               <a:rPr b="1" lang="en" sz="1700" u="sng"/>
@@ -40525,7 +40631,7 @@
             </a:br>
             <a:r>
               <a:rPr b="1" lang="en" sz="1700" u="sng"/>
-              <a:t>1  1  0  0  0  1</a:t>
+              <a:t>0  1  0  0  0  1</a:t>
             </a:r>
             <a:br>
               <a:rPr b="1" lang="en" sz="1700" u="sng"/>
@@ -40717,7 +40823,7 @@
         </p:nvSpPr>
         <p:spPr>
           <a:xfrm>
-            <a:off x="919000" y="1319225"/>
+            <a:off x="911575" y="1393350"/>
             <a:ext cx="2757000" cy="3320400"/>
           </a:xfrm>
           <a:prstGeom prst="rect">
@@ -40900,6 +41006,245 @@
               <a:t>0 indica ausência de conexão.</a:t>
             </a:r>
             <a:endParaRPr sz="1800">
+              <a:solidFill>
+                <a:schemeClr val="lt1"/>
+              </a:solidFill>
+              <a:latin typeface="Maven Pro"/>
+              <a:ea typeface="Maven Pro"/>
+              <a:cs typeface="Maven Pro"/>
+              <a:sym typeface="Maven Pro"/>
+            </a:endParaRPr>
+          </a:p>
+        </p:txBody>
+      </p:sp>
+      <p:sp>
+        <p:nvSpPr>
+          <p:cNvPr id="480" name="Google Shape;480;p26"/>
+          <p:cNvSpPr txBox="1"/>
+          <p:nvPr/>
+        </p:nvSpPr>
+        <p:spPr>
+          <a:xfrm>
+            <a:off x="5655900" y="1348650"/>
+            <a:ext cx="3488100" cy="3320400"/>
+          </a:xfrm>
+          <a:prstGeom prst="rect">
+            <a:avLst/>
+          </a:prstGeom>
+          <a:noFill/>
+          <a:ln>
+            <a:noFill/>
+          </a:ln>
+        </p:spPr>
+        <p:txBody>
+          <a:bodyPr anchorCtr="0" anchor="t" bIns="91425" lIns="91425" spcFirstLastPara="1" rIns="91425" wrap="square" tIns="91425">
+            <a:noAutofit/>
+          </a:bodyPr>
+          <a:lstStyle/>
+          <a:p>
+            <a:pPr indent="0" lvl="0" marL="457200" rtl="0" algn="l">
+              <a:spcBef>
+                <a:spcPts val="0"/>
+              </a:spcBef>
+              <a:spcAft>
+                <a:spcPts val="0"/>
+              </a:spcAft>
+              <a:buNone/>
+            </a:pPr>
+            <a:r>
+              <a:rPr lang="en" sz="1600">
+                <a:solidFill>
+                  <a:schemeClr val="lt1"/>
+                </a:solidFill>
+                <a:latin typeface="Maven Pro"/>
+                <a:ea typeface="Maven Pro"/>
+                <a:cs typeface="Maven Pro"/>
+                <a:sym typeface="Maven Pro"/>
+              </a:rPr>
+              <a:t>Por exemplo:</a:t>
+            </a:r>
+            <a:endParaRPr sz="1600">
+              <a:solidFill>
+                <a:schemeClr val="lt1"/>
+              </a:solidFill>
+              <a:latin typeface="Maven Pro"/>
+              <a:ea typeface="Maven Pro"/>
+              <a:cs typeface="Maven Pro"/>
+              <a:sym typeface="Maven Pro"/>
+            </a:endParaRPr>
+          </a:p>
+          <a:p>
+            <a:pPr indent="-330200" lvl="0" marL="914400" rtl="0" algn="l">
+              <a:spcBef>
+                <a:spcPts val="0"/>
+              </a:spcBef>
+              <a:spcAft>
+                <a:spcPts val="0"/>
+              </a:spcAft>
+              <a:buClr>
+                <a:schemeClr val="lt1"/>
+              </a:buClr>
+              <a:buSzPts val="1600"/>
+              <a:buFont typeface="Maven Pro"/>
+              <a:buChar char="●"/>
+            </a:pPr>
+            <a:r>
+              <a:rPr lang="en" sz="1600">
+                <a:solidFill>
+                  <a:schemeClr val="lt1"/>
+                </a:solidFill>
+                <a:latin typeface="Maven Pro"/>
+                <a:ea typeface="Maven Pro"/>
+                <a:cs typeface="Maven Pro"/>
+                <a:sym typeface="Maven Pro"/>
+              </a:rPr>
+              <a:t>{0, 1, 0, 1, 0, 0} significa:</a:t>
+            </a:r>
+            <a:br>
+              <a:rPr lang="en" sz="1600">
+                <a:solidFill>
+                  <a:schemeClr val="lt1"/>
+                </a:solidFill>
+                <a:latin typeface="Maven Pro"/>
+                <a:ea typeface="Maven Pro"/>
+                <a:cs typeface="Maven Pro"/>
+                <a:sym typeface="Maven Pro"/>
+              </a:rPr>
+            </a:br>
+            <a:endParaRPr sz="1600">
+              <a:solidFill>
+                <a:schemeClr val="lt1"/>
+              </a:solidFill>
+              <a:latin typeface="Maven Pro"/>
+              <a:ea typeface="Maven Pro"/>
+              <a:cs typeface="Maven Pro"/>
+              <a:sym typeface="Maven Pro"/>
+            </a:endParaRPr>
+          </a:p>
+          <a:p>
+            <a:pPr indent="-330200" lvl="2" marL="1371600" rtl="0" algn="l">
+              <a:spcBef>
+                <a:spcPts val="0"/>
+              </a:spcBef>
+              <a:spcAft>
+                <a:spcPts val="0"/>
+              </a:spcAft>
+              <a:buClr>
+                <a:schemeClr val="lt1"/>
+              </a:buClr>
+              <a:buSzPts val="1600"/>
+              <a:buFont typeface="Maven Pro"/>
+              <a:buChar char="■"/>
+            </a:pPr>
+            <a:r>
+              <a:rPr lang="en" sz="1600">
+                <a:solidFill>
+                  <a:schemeClr val="lt1"/>
+                </a:solidFill>
+                <a:latin typeface="Maven Pro"/>
+                <a:ea typeface="Maven Pro"/>
+                <a:cs typeface="Maven Pro"/>
+                <a:sym typeface="Maven Pro"/>
+              </a:rPr>
+              <a:t>Vértice 0 está conectado ao vértice 1</a:t>
+            </a:r>
+            <a:br>
+              <a:rPr lang="en" sz="1600">
+                <a:solidFill>
+                  <a:schemeClr val="lt1"/>
+                </a:solidFill>
+                <a:latin typeface="Maven Pro"/>
+                <a:ea typeface="Maven Pro"/>
+                <a:cs typeface="Maven Pro"/>
+                <a:sym typeface="Maven Pro"/>
+              </a:rPr>
+            </a:br>
+            <a:endParaRPr sz="1600">
+              <a:solidFill>
+                <a:schemeClr val="lt1"/>
+              </a:solidFill>
+              <a:latin typeface="Maven Pro"/>
+              <a:ea typeface="Maven Pro"/>
+              <a:cs typeface="Maven Pro"/>
+              <a:sym typeface="Maven Pro"/>
+            </a:endParaRPr>
+          </a:p>
+          <a:p>
+            <a:pPr indent="-330200" lvl="2" marL="1371600" rtl="0" algn="l">
+              <a:spcBef>
+                <a:spcPts val="0"/>
+              </a:spcBef>
+              <a:spcAft>
+                <a:spcPts val="0"/>
+              </a:spcAft>
+              <a:buClr>
+                <a:schemeClr val="lt1"/>
+              </a:buClr>
+              <a:buSzPts val="1600"/>
+              <a:buFont typeface="Maven Pro"/>
+              <a:buChar char="■"/>
+            </a:pPr>
+            <a:r>
+              <a:rPr lang="en" sz="1600">
+                <a:solidFill>
+                  <a:schemeClr val="lt1"/>
+                </a:solidFill>
+                <a:latin typeface="Maven Pro"/>
+                <a:ea typeface="Maven Pro"/>
+                <a:cs typeface="Maven Pro"/>
+                <a:sym typeface="Maven Pro"/>
+              </a:rPr>
+              <a:t>Vértice 0 está conectado ao vértice 3</a:t>
+            </a:r>
+            <a:br>
+              <a:rPr lang="en" sz="1600">
+                <a:solidFill>
+                  <a:schemeClr val="lt1"/>
+                </a:solidFill>
+                <a:latin typeface="Maven Pro"/>
+                <a:ea typeface="Maven Pro"/>
+                <a:cs typeface="Maven Pro"/>
+                <a:sym typeface="Maven Pro"/>
+              </a:rPr>
+            </a:br>
+            <a:endParaRPr sz="1600">
+              <a:solidFill>
+                <a:schemeClr val="lt1"/>
+              </a:solidFill>
+              <a:latin typeface="Maven Pro"/>
+              <a:ea typeface="Maven Pro"/>
+              <a:cs typeface="Maven Pro"/>
+              <a:sym typeface="Maven Pro"/>
+            </a:endParaRPr>
+          </a:p>
+          <a:p>
+            <a:pPr indent="-330200" lvl="2" marL="1371600" rtl="0" algn="l">
+              <a:spcBef>
+                <a:spcPts val="0"/>
+              </a:spcBef>
+              <a:spcAft>
+                <a:spcPts val="0"/>
+              </a:spcAft>
+              <a:buClr>
+                <a:schemeClr val="lt1"/>
+              </a:buClr>
+              <a:buSzPts val="1600"/>
+              <a:buFont typeface="Maven Pro"/>
+              <a:buChar char="■"/>
+            </a:pPr>
+            <a:r>
+              <a:rPr lang="en" sz="1600">
+                <a:solidFill>
+                  <a:schemeClr val="lt1"/>
+                </a:solidFill>
+                <a:latin typeface="Maven Pro"/>
+                <a:ea typeface="Maven Pro"/>
+                <a:cs typeface="Maven Pro"/>
+                <a:sym typeface="Maven Pro"/>
+              </a:rPr>
+              <a:t>Não está conectado a outros vértices</a:t>
+            </a:r>
+            <a:endParaRPr sz="1600">
               <a:solidFill>
                 <a:schemeClr val="lt1"/>
               </a:solidFill>
@@ -40924,7 +41269,7 @@
   <p:cSld>
     <p:spTree>
       <p:nvGrpSpPr>
-        <p:cNvPr id="483" name="Shape 483"/>
+        <p:cNvPr id="484" name="Shape 484"/>
         <p:cNvGrpSpPr/>
         <p:nvPr/>
       </p:nvGrpSpPr>
@@ -40936,173 +41281,9 @@
           <a:chExt cx="0" cy="0"/>
         </a:xfrm>
       </p:grpSpPr>
-      <p:sp>
-        <p:nvSpPr>
-          <p:cNvPr id="484" name="Google Shape;484;p27"/>
-          <p:cNvSpPr txBox="1"/>
-          <p:nvPr>
-            <p:ph idx="1" type="body"/>
-          </p:nvPr>
-        </p:nvSpPr>
-        <p:spPr>
-          <a:xfrm>
-            <a:off x="597375" y="1063525"/>
-            <a:ext cx="7866900" cy="3786900"/>
-          </a:xfrm>
-          <a:prstGeom prst="rect">
-            <a:avLst/>
-          </a:prstGeom>
-        </p:spPr>
-        <p:txBody>
-          <a:bodyPr anchorCtr="0" anchor="t" bIns="91425" lIns="91425" spcFirstLastPara="1" rIns="91425" wrap="square" tIns="91425">
-            <a:noAutofit/>
-          </a:bodyPr>
-          <a:lstStyle/>
-          <a:p>
-            <a:pPr indent="-336550" lvl="0" marL="457200" rtl="0" algn="just">
-              <a:spcBef>
-                <a:spcPts val="0"/>
-              </a:spcBef>
-              <a:spcAft>
-                <a:spcPts val="0"/>
-              </a:spcAft>
-              <a:buSzPts val="1700"/>
-              <a:buAutoNum type="arabicPeriod"/>
-            </a:pPr>
-            <a:r>
-              <a:rPr b="1" lang="en" sz="1700"/>
-              <a:t>Atribuir a primeira cor ao primeiro vértice.</a:t>
-            </a:r>
-            <a:br>
-              <a:rPr b="1" lang="en" sz="1700"/>
-            </a:br>
-            <a:endParaRPr b="1" sz="1700"/>
-          </a:p>
-          <a:p>
-            <a:pPr indent="-336550" lvl="0" marL="457200" rtl="0" algn="just">
-              <a:spcBef>
-                <a:spcPts val="0"/>
-              </a:spcBef>
-              <a:spcAft>
-                <a:spcPts val="0"/>
-              </a:spcAft>
-              <a:buSzPts val="1700"/>
-              <a:buAutoNum type="arabicPeriod"/>
-            </a:pPr>
-            <a:r>
-              <a:rPr b="1" lang="en" sz="1700"/>
-              <a:t>Para cada vértice:</a:t>
-            </a:r>
-            <a:endParaRPr b="1" sz="1700"/>
-          </a:p>
-          <a:p>
-            <a:pPr indent="-336550" lvl="0" marL="457200" rtl="0" algn="just">
-              <a:spcBef>
-                <a:spcPts val="0"/>
-              </a:spcBef>
-              <a:spcAft>
-                <a:spcPts val="0"/>
-              </a:spcAft>
-              <a:buSzPts val="1700"/>
-              <a:buChar char="●"/>
-            </a:pPr>
-            <a:r>
-              <a:rPr b="1" lang="en" sz="1700"/>
-              <a:t>Verificar as cores dos vizinhos.</a:t>
-            </a:r>
-            <a:endParaRPr b="1" sz="1700"/>
-          </a:p>
-          <a:p>
-            <a:pPr indent="-336550" lvl="0" marL="457200" rtl="0" algn="just">
-              <a:spcBef>
-                <a:spcPts val="0"/>
-              </a:spcBef>
-              <a:spcAft>
-                <a:spcPts val="0"/>
-              </a:spcAft>
-              <a:buSzPts val="1700"/>
-              <a:buChar char="●"/>
-            </a:pPr>
-            <a:r>
-              <a:rPr b="1" lang="en" sz="1700"/>
-              <a:t>Usar a menor cor disponível.</a:t>
-            </a:r>
-            <a:br>
-              <a:rPr b="1" lang="en" sz="1700"/>
-            </a:br>
-            <a:endParaRPr b="1" sz="1700"/>
-          </a:p>
-          <a:p>
-            <a:pPr indent="-336550" lvl="0" marL="457200" rtl="0" algn="just">
-              <a:lnSpc>
-                <a:spcPct val="100000"/>
-              </a:lnSpc>
-              <a:spcBef>
-                <a:spcPts val="0"/>
-              </a:spcBef>
-              <a:spcAft>
-                <a:spcPts val="0"/>
-              </a:spcAft>
-              <a:buSzPts val="1700"/>
-              <a:buAutoNum type="arabicPeriod"/>
-            </a:pPr>
-            <a:r>
-              <a:rPr b="1" lang="en" sz="1700"/>
-              <a:t>Repetir para todos os vértices.</a:t>
-            </a:r>
-            <a:br>
-              <a:rPr lang="en" sz="1700"/>
-            </a:br>
-            <a:br>
-              <a:rPr lang="en" sz="1700"/>
-            </a:br>
-            <a:endParaRPr sz="1700"/>
-          </a:p>
-        </p:txBody>
-      </p:sp>
-      <p:sp>
-        <p:nvSpPr>
-          <p:cNvPr id="485" name="Google Shape;485;p27"/>
-          <p:cNvSpPr txBox="1"/>
-          <p:nvPr>
-            <p:ph type="ctrTitle"/>
-          </p:nvPr>
-        </p:nvSpPr>
-        <p:spPr>
-          <a:xfrm>
-            <a:off x="618825" y="411675"/>
-            <a:ext cx="8482500" cy="577800"/>
-          </a:xfrm>
-          <a:prstGeom prst="rect">
-            <a:avLst/>
-          </a:prstGeom>
-        </p:spPr>
-        <p:txBody>
-          <a:bodyPr anchorCtr="0" anchor="b" bIns="91425" lIns="91425" spcFirstLastPara="1" rIns="91425" wrap="square" tIns="91425">
-            <a:noAutofit/>
-          </a:bodyPr>
-          <a:lstStyle/>
-          <a:p>
-            <a:pPr indent="0" lvl="0" marL="0" rtl="0" algn="l">
-              <a:spcBef>
-                <a:spcPts val="0"/>
-              </a:spcBef>
-              <a:spcAft>
-                <a:spcPts val="0"/>
-              </a:spcAft>
-              <a:buNone/>
-            </a:pPr>
-            <a:r>
-              <a:rPr lang="en" sz="4300"/>
-              <a:t>Passos do Algoritmo Guloso</a:t>
-            </a:r>
-            <a:endParaRPr sz="4300"/>
-          </a:p>
-        </p:txBody>
-      </p:sp>
       <p:pic>
         <p:nvPicPr>
-          <p:cNvPr id="486" name="Google Shape;486;p27"/>
+          <p:cNvPr id="485" name="Google Shape;485;p27"/>
           <p:cNvPicPr preferRelativeResize="0"/>
           <p:nvPr/>
         </p:nvPicPr>
@@ -41116,8 +41297,8 @@
         </p:blipFill>
         <p:spPr>
           <a:xfrm>
-            <a:off x="2330874" y="3044950"/>
-            <a:ext cx="5058400" cy="2016575"/>
+            <a:off x="1992550" y="152400"/>
+            <a:ext cx="5158909" cy="4838700"/>
           </a:xfrm>
           <a:prstGeom prst="rect">
             <a:avLst/>
@@ -41141,7 +41322,7 @@
   <p:cSld>
     <p:spTree>
       <p:nvGrpSpPr>
-        <p:cNvPr id="490" name="Shape 490"/>
+        <p:cNvPr id="489" name="Shape 489"/>
         <p:cNvGrpSpPr/>
         <p:nvPr/>
       </p:nvGrpSpPr>
@@ -41155,7 +41336,216 @@
       </p:grpSpPr>
       <p:sp>
         <p:nvSpPr>
+          <p:cNvPr id="490" name="Google Shape;490;p28"/>
+          <p:cNvSpPr txBox="1"/>
+          <p:nvPr>
+            <p:ph idx="1" type="body"/>
+          </p:nvPr>
+        </p:nvSpPr>
+        <p:spPr>
+          <a:xfrm>
+            <a:off x="597375" y="1063525"/>
+            <a:ext cx="7866900" cy="3786900"/>
+          </a:xfrm>
+          <a:prstGeom prst="rect">
+            <a:avLst/>
+          </a:prstGeom>
+        </p:spPr>
+        <p:txBody>
+          <a:bodyPr anchorCtr="0" anchor="t" bIns="91425" lIns="91425" spcFirstLastPara="1" rIns="91425" wrap="square" tIns="91425">
+            <a:noAutofit/>
+          </a:bodyPr>
+          <a:lstStyle/>
+          <a:p>
+            <a:pPr indent="-336550" lvl="0" marL="457200" rtl="0" algn="l">
+              <a:spcBef>
+                <a:spcPts val="0"/>
+              </a:spcBef>
+              <a:spcAft>
+                <a:spcPts val="0"/>
+              </a:spcAft>
+              <a:buSzPts val="1700"/>
+              <a:buFont typeface="Livvic"/>
+              <a:buAutoNum type="arabicPeriod"/>
+            </a:pPr>
+            <a:r>
+              <a:rPr lang="en" sz="1700"/>
+              <a:t>Array result armazena a cor de cada vértice;</a:t>
+            </a:r>
+            <a:br>
+              <a:rPr lang="en" sz="1700"/>
+            </a:br>
+            <a:endParaRPr sz="1700"/>
+          </a:p>
+          <a:p>
+            <a:pPr indent="-336550" lvl="0" marL="457200" rtl="0" algn="l">
+              <a:spcBef>
+                <a:spcPts val="0"/>
+              </a:spcBef>
+              <a:spcAft>
+                <a:spcPts val="0"/>
+              </a:spcAft>
+              <a:buSzPts val="1700"/>
+              <a:buFont typeface="Livvic"/>
+              <a:buAutoNum type="arabicPeriod"/>
+            </a:pPr>
+            <a:r>
+              <a:rPr lang="en" sz="1700"/>
+              <a:t>Array available rastreia quais cores podem ser usadas para cada vértice;</a:t>
+            </a:r>
+            <a:br>
+              <a:rPr lang="en" sz="1700"/>
+            </a:br>
+            <a:endParaRPr sz="1700"/>
+          </a:p>
+          <a:p>
+            <a:pPr indent="-336550" lvl="0" marL="457200" rtl="0" algn="l">
+              <a:spcBef>
+                <a:spcPts val="0"/>
+              </a:spcBef>
+              <a:spcAft>
+                <a:spcPts val="0"/>
+              </a:spcAft>
+              <a:buSzPts val="1700"/>
+              <a:buFont typeface="Livvic"/>
+              <a:buAutoNum type="arabicPeriod"/>
+            </a:pPr>
+            <a:r>
+              <a:rPr lang="en" sz="1700"/>
+              <a:t>O algoritmo itera pelos vértices, começando do segundo vértice (índice 1);</a:t>
+            </a:r>
+            <a:br>
+              <a:rPr lang="en" sz="1700"/>
+            </a:br>
+            <a:endParaRPr sz="1700"/>
+          </a:p>
+          <a:p>
+            <a:pPr indent="-336550" lvl="0" marL="457200" rtl="0" algn="l">
+              <a:spcBef>
+                <a:spcPts val="0"/>
+              </a:spcBef>
+              <a:spcAft>
+                <a:spcPts val="0"/>
+              </a:spcAft>
+              <a:buSzPts val="1700"/>
+              <a:buFont typeface="Livvic"/>
+              <a:buAutoNum type="arabicPeriod"/>
+            </a:pPr>
+            <a:r>
+              <a:rPr lang="en" sz="1700"/>
+              <a:t>Para cada vértice, verifica os vértices adjacentes e suas cores;</a:t>
+            </a:r>
+            <a:br>
+              <a:rPr lang="en" sz="1700"/>
+            </a:br>
+            <a:endParaRPr sz="1700"/>
+          </a:p>
+          <a:p>
+            <a:pPr indent="-336550" lvl="0" marL="457200" rtl="0" algn="l">
+              <a:spcBef>
+                <a:spcPts val="0"/>
+              </a:spcBef>
+              <a:spcAft>
+                <a:spcPts val="0"/>
+              </a:spcAft>
+              <a:buSzPts val="1700"/>
+              <a:buFont typeface="Livvic"/>
+              <a:buAutoNum type="arabicPeriod"/>
+            </a:pPr>
+            <a:r>
+              <a:rPr lang="en" sz="1700"/>
+              <a:t>Em seguida, atribui o menor número de cor que não foi usado por vértices adjacentes.</a:t>
+            </a:r>
+            <a:endParaRPr sz="1700"/>
+          </a:p>
+          <a:p>
+            <a:pPr indent="0" lvl="0" marL="0" rtl="0" algn="l">
+              <a:lnSpc>
+                <a:spcPct val="100000"/>
+              </a:lnSpc>
+              <a:spcBef>
+                <a:spcPts val="1600"/>
+              </a:spcBef>
+              <a:spcAft>
+                <a:spcPts val="1600"/>
+              </a:spcAft>
+              <a:buNone/>
+            </a:pPr>
+            <a:r>
+              <a:t/>
+            </a:r>
+            <a:endParaRPr sz="200"/>
+          </a:p>
+        </p:txBody>
+      </p:sp>
+      <p:sp>
+        <p:nvSpPr>
           <p:cNvPr id="491" name="Google Shape;491;p28"/>
+          <p:cNvSpPr txBox="1"/>
+          <p:nvPr>
+            <p:ph type="ctrTitle"/>
+          </p:nvPr>
+        </p:nvSpPr>
+        <p:spPr>
+          <a:xfrm>
+            <a:off x="618825" y="411675"/>
+            <a:ext cx="6755400" cy="577800"/>
+          </a:xfrm>
+          <a:prstGeom prst="rect">
+            <a:avLst/>
+          </a:prstGeom>
+        </p:spPr>
+        <p:txBody>
+          <a:bodyPr anchorCtr="0" anchor="b" bIns="91425" lIns="91425" spcFirstLastPara="1" rIns="91425" wrap="square" tIns="91425">
+            <a:noAutofit/>
+          </a:bodyPr>
+          <a:lstStyle/>
+          <a:p>
+            <a:pPr indent="0" lvl="0" marL="0" rtl="0" algn="l">
+              <a:spcBef>
+                <a:spcPts val="0"/>
+              </a:spcBef>
+              <a:spcAft>
+                <a:spcPts val="0"/>
+              </a:spcAft>
+              <a:buNone/>
+            </a:pPr>
+            <a:r>
+              <a:rPr lang="en" sz="4300"/>
+              <a:t>Etapas Principais do Código:</a:t>
+            </a:r>
+            <a:endParaRPr sz="4300"/>
+          </a:p>
+        </p:txBody>
+      </p:sp>
+    </p:spTree>
+  </p:cSld>
+  <p:clrMapOvr>
+    <a:masterClrMapping/>
+  </p:clrMapOvr>
+</p:sld>
+</file>
+
+<file path=ppt/slides/slide7.xml><?xml version="1.0" encoding="utf-8"?>
+<p:sld xmlns:a="http://schemas.openxmlformats.org/drawingml/2006/main" xmlns:r="http://schemas.openxmlformats.org/officeDocument/2006/relationships" xmlns:mc="http://schemas.openxmlformats.org/markup-compatibility/2006" xmlns:mv="urn:schemas-microsoft-com:mac:vml" xmlns:p="http://schemas.openxmlformats.org/presentationml/2006/main" xmlns:c="http://schemas.openxmlformats.org/drawingml/2006/chart" xmlns:dgm="http://schemas.openxmlformats.org/drawingml/2006/diagram" xmlns:o="urn:schemas-microsoft-com:office:office" xmlns:v="urn:schemas-microsoft-com:vml" xmlns:pvml="urn:schemas-microsoft-com:office:powerpoint" xmlns:com="http://schemas.openxmlformats.org/drawingml/2006/compatibility" xmlns:p14="http://schemas.microsoft.com/office/powerpoint/2010/main" xmlns:p15="http://schemas.microsoft.com/office/powerpoint/2012/main" xmlns:ahyp="http://schemas.microsoft.com/office/drawing/2018/hyperlinkcolor">
+  <p:cSld>
+    <p:spTree>
+      <p:nvGrpSpPr>
+        <p:cNvPr id="495" name="Shape 495"/>
+        <p:cNvGrpSpPr/>
+        <p:nvPr/>
+      </p:nvGrpSpPr>
+      <p:grpSpPr>
+        <a:xfrm>
+          <a:off x="0" y="0"/>
+          <a:ext cx="0" cy="0"/>
+          <a:chOff x="0" y="0"/>
+          <a:chExt cx="0" cy="0"/>
+        </a:xfrm>
+      </p:grpSpPr>
+      <p:sp>
+        <p:nvSpPr>
+          <p:cNvPr id="496" name="Google Shape;496;p29"/>
           <p:cNvSpPr txBox="1"/>
           <p:nvPr>
             <p:ph idx="1" type="body"/>
@@ -41459,7 +41849,7 @@
       </p:sp>
       <p:sp>
         <p:nvSpPr>
-          <p:cNvPr id="492" name="Google Shape;492;p28"/>
+          <p:cNvPr id="497" name="Google Shape;497;p29"/>
           <p:cNvSpPr txBox="1"/>
           <p:nvPr>
             <p:ph type="ctrTitle"/>
@@ -41505,12 +41895,12 @@
 </p:sld>
 </file>
 
-<file path=ppt/slides/slide7.xml><?xml version="1.0" encoding="utf-8"?>
+<file path=ppt/slides/slide8.xml><?xml version="1.0" encoding="utf-8"?>
 <p:sld xmlns:a="http://schemas.openxmlformats.org/drawingml/2006/main" xmlns:r="http://schemas.openxmlformats.org/officeDocument/2006/relationships" xmlns:mc="http://schemas.openxmlformats.org/markup-compatibility/2006" xmlns:mv="urn:schemas-microsoft-com:mac:vml" xmlns:p="http://schemas.openxmlformats.org/presentationml/2006/main" xmlns:c="http://schemas.openxmlformats.org/drawingml/2006/chart" xmlns:dgm="http://schemas.openxmlformats.org/drawingml/2006/diagram" xmlns:o="urn:schemas-microsoft-com:office:office" xmlns:v="urn:schemas-microsoft-com:vml" xmlns:pvml="urn:schemas-microsoft-com:office:powerpoint" xmlns:com="http://schemas.openxmlformats.org/drawingml/2006/compatibility" xmlns:p14="http://schemas.microsoft.com/office/powerpoint/2010/main" xmlns:p15="http://schemas.microsoft.com/office/powerpoint/2012/main" xmlns:ahyp="http://schemas.microsoft.com/office/drawing/2018/hyperlinkcolor">
   <p:cSld>
     <p:spTree>
       <p:nvGrpSpPr>
-        <p:cNvPr id="496" name="Shape 496"/>
+        <p:cNvPr id="501" name="Shape 501"/>
         <p:cNvGrpSpPr/>
         <p:nvPr/>
       </p:nvGrpSpPr>
@@ -41524,7 +41914,7 @@
       </p:grpSpPr>
       <p:sp>
         <p:nvSpPr>
-          <p:cNvPr id="497" name="Google Shape;497;p29"/>
+          <p:cNvPr id="502" name="Google Shape;502;p30"/>
           <p:cNvSpPr txBox="1"/>
           <p:nvPr>
             <p:ph idx="1" type="body"/>
@@ -41562,60 +41952,7 @@
             <a:endParaRPr sz="1700"/>
           </a:p>
           <a:p>
-            <a:pPr indent="0" lvl="0" marL="457200" rtl="0" algn="just">
-              <a:spcBef>
-                <a:spcPts val="1600"/>
-              </a:spcBef>
-              <a:spcAft>
-                <a:spcPts val="0"/>
-              </a:spcAft>
-              <a:buNone/>
-            </a:pPr>
-            <a:r>
-              <a:t/>
-            </a:r>
-            <a:endParaRPr sz="1700"/>
-          </a:p>
-          <a:p>
-            <a:pPr indent="-336550" lvl="0" marL="457200" rtl="0" algn="just">
-              <a:lnSpc>
-                <a:spcPct val="100000"/>
-              </a:lnSpc>
-              <a:spcBef>
-                <a:spcPts val="1600"/>
-              </a:spcBef>
-              <a:spcAft>
-                <a:spcPts val="0"/>
-              </a:spcAft>
-              <a:buSzPts val="1700"/>
-              <a:buChar char="●"/>
-            </a:pPr>
-            <a:r>
-              <a:rPr lang="en" sz="1700"/>
-              <a:t>Complexidade: O(V²) (para matriz de adjacência).</a:t>
-            </a:r>
-            <a:endParaRPr sz="1700"/>
-          </a:p>
-          <a:p>
-            <a:pPr indent="0" lvl="0" marL="457200" rtl="0" algn="just">
-              <a:lnSpc>
-                <a:spcPct val="100000"/>
-              </a:lnSpc>
-              <a:spcBef>
-                <a:spcPts val="1600"/>
-              </a:spcBef>
-              <a:spcAft>
-                <a:spcPts val="0"/>
-              </a:spcAft>
-              <a:buNone/>
-            </a:pPr>
-            <a:r>
-              <a:t/>
-            </a:r>
-            <a:endParaRPr sz="1700"/>
-          </a:p>
-          <a:p>
-            <a:pPr indent="0" lvl="0" marL="457200" rtl="0" algn="just">
+            <a:pPr indent="0" lvl="0" marL="0" rtl="0" algn="just">
               <a:lnSpc>
                 <a:spcPct val="100000"/>
               </a:lnSpc>
@@ -41668,7 +42005,30 @@
             </a:pPr>
             <a:r>
               <a:rPr lang="en" sz="1700"/>
-              <a:t>	Armazena a matriz: O(V²).</a:t>
+              <a:t>	Armazena a matriz: O(V²) (V = número de vertices).</a:t>
+            </a:r>
+            <a:br>
+              <a:rPr lang="en" sz="1700"/>
+            </a:br>
+            <a:endParaRPr sz="1700"/>
+          </a:p>
+          <a:p>
+            <a:pPr indent="-336550" lvl="2" marL="1371600" rtl="0" algn="just">
+              <a:lnSpc>
+                <a:spcPct val="100000"/>
+              </a:lnSpc>
+              <a:spcBef>
+                <a:spcPts val="0"/>
+              </a:spcBef>
+              <a:spcAft>
+                <a:spcPts val="0"/>
+              </a:spcAft>
+              <a:buSzPts val="1700"/>
+              <a:buChar char="■"/>
+            </a:pPr>
+            <a:r>
+              <a:rPr lang="en" sz="1700"/>
+              <a:t>Isso ocorre porque para cada vértice, verificamos todos os outros vértices para determinar a disponibilidade de cores</a:t>
             </a:r>
             <a:endParaRPr sz="1700"/>
           </a:p>
@@ -41766,7 +42126,7 @@
       </p:sp>
       <p:sp>
         <p:nvSpPr>
-          <p:cNvPr id="498" name="Google Shape;498;p29"/>
+          <p:cNvPr id="503" name="Google Shape;503;p30"/>
           <p:cNvSpPr txBox="1"/>
           <p:nvPr>
             <p:ph type="ctrTitle"/>
@@ -41812,12 +42172,12 @@
 </p:sld>
 </file>
 
-<file path=ppt/slides/slide8.xml><?xml version="1.0" encoding="utf-8"?>
+<file path=ppt/slides/slide9.xml><?xml version="1.0" encoding="utf-8"?>
 <p:sld xmlns:a="http://schemas.openxmlformats.org/drawingml/2006/main" xmlns:r="http://schemas.openxmlformats.org/officeDocument/2006/relationships" xmlns:mc="http://schemas.openxmlformats.org/markup-compatibility/2006" xmlns:mv="urn:schemas-microsoft-com:mac:vml" xmlns:p="http://schemas.openxmlformats.org/presentationml/2006/main" xmlns:c="http://schemas.openxmlformats.org/drawingml/2006/chart" xmlns:dgm="http://schemas.openxmlformats.org/drawingml/2006/diagram" xmlns:o="urn:schemas-microsoft-com:office:office" xmlns:v="urn:schemas-microsoft-com:vml" xmlns:pvml="urn:schemas-microsoft-com:office:powerpoint" xmlns:com="http://schemas.openxmlformats.org/drawingml/2006/compatibility" xmlns:p14="http://schemas.microsoft.com/office/powerpoint/2010/main" xmlns:p15="http://schemas.microsoft.com/office/powerpoint/2012/main" xmlns:ahyp="http://schemas.microsoft.com/office/drawing/2018/hyperlinkcolor">
   <p:cSld>
     <p:spTree>
       <p:nvGrpSpPr>
-        <p:cNvPr id="502" name="Shape 502"/>
+        <p:cNvPr id="507" name="Shape 507"/>
         <p:cNvGrpSpPr/>
         <p:nvPr/>
       </p:nvGrpSpPr>
@@ -41831,7 +42191,7 @@
       </p:grpSpPr>
       <p:sp>
         <p:nvSpPr>
-          <p:cNvPr id="503" name="Google Shape;503;p30"/>
+          <p:cNvPr id="508" name="Google Shape;508;p31"/>
           <p:cNvSpPr txBox="1"/>
           <p:nvPr>
             <p:ph idx="1" type="body"/>
@@ -41864,20 +42224,8 @@
             </a:pPr>
             <a:r>
               <a:rPr lang="en" sz="1900"/>
-              <a:t>O algoritmo guloso é eficiente para o problema de coloração de grafos.</a:t>
+              <a:t>O algoritmo de coloração de grafos é uma técnica eficiente para resolver problemas de distribuição de recursos, garantindo que elementos adjacentes não compartilhem o mesmo recurso, com aplicações em diversos campos como escalonamento e telecomunicações.</a:t>
             </a:r>
-            <a:endParaRPr sz="1900"/>
-          </a:p>
-          <a:p>
-            <a:pPr indent="0" lvl="0" marL="457200" rtl="0" algn="just">
-              <a:spcBef>
-                <a:spcPts val="1600"/>
-              </a:spcBef>
-              <a:spcAft>
-                <a:spcPts val="0"/>
-              </a:spcAft>
-              <a:buNone/>
-            </a:pPr>
             <a:br>
               <a:rPr lang="en" sz="1900"/>
             </a:br>
@@ -41886,7 +42234,7 @@
           <a:p>
             <a:pPr indent="-349250" lvl="0" marL="457200" rtl="0" algn="just">
               <a:spcBef>
-                <a:spcPts val="1600"/>
+                <a:spcPts val="0"/>
               </a:spcBef>
               <a:spcAft>
                 <a:spcPts val="0"/>
@@ -41896,42 +42244,81 @@
             </a:pPr>
             <a:r>
               <a:rPr lang="en" sz="1900"/>
-              <a:t>Não garante a solução ótima (número mínimo de cores), mas é uma boa aproximação.</a:t>
+              <a:t>Pontos-chave:</a:t>
             </a:r>
-            <a:endParaRPr sz="1900"/>
-          </a:p>
-          <a:p>
-            <a:pPr indent="0" lvl="0" marL="457200" rtl="0" algn="just">
-              <a:spcBef>
-                <a:spcPts val="1600"/>
-              </a:spcBef>
-              <a:spcAft>
-                <a:spcPts val="0"/>
-              </a:spcAft>
-              <a:buNone/>
-            </a:pPr>
             <a:br>
               <a:rPr lang="en" sz="1900"/>
             </a:br>
             <a:endParaRPr sz="1900"/>
           </a:p>
           <a:p>
-            <a:pPr indent="-349250" lvl="0" marL="457200" rtl="0" algn="just">
+            <a:pPr indent="-349250" lvl="1" marL="914400" rtl="0" algn="just">
+              <a:spcBef>
+                <a:spcPts val="0"/>
+              </a:spcBef>
+              <a:spcAft>
+                <a:spcPts val="0"/>
+              </a:spcAft>
+              <a:buSzPts val="1900"/>
+              <a:buChar char="○"/>
+            </a:pPr>
+            <a:r>
+              <a:rPr lang="en" sz="1900"/>
+              <a:t>Método guloso e aproximado</a:t>
+            </a:r>
+            <a:endParaRPr sz="1900"/>
+          </a:p>
+          <a:p>
+            <a:pPr indent="-349250" lvl="1" marL="914400" rtl="0" algn="just">
+              <a:spcBef>
+                <a:spcPts val="0"/>
+              </a:spcBef>
+              <a:spcAft>
+                <a:spcPts val="0"/>
+              </a:spcAft>
+              <a:buSzPts val="1900"/>
+              <a:buChar char="○"/>
+            </a:pPr>
+            <a:r>
+              <a:rPr lang="en" sz="1900"/>
+              <a:t>Resolve problemas de alocação e conflito</a:t>
+            </a:r>
+            <a:endParaRPr sz="1900"/>
+          </a:p>
+          <a:p>
+            <a:pPr indent="-349250" lvl="1" marL="914400" rtl="0" algn="just">
+              <a:spcBef>
+                <a:spcPts val="0"/>
+              </a:spcBef>
+              <a:spcAft>
+                <a:spcPts val="0"/>
+              </a:spcAft>
+              <a:buSzPts val="1900"/>
+              <a:buChar char="○"/>
+            </a:pPr>
+            <a:r>
+              <a:rPr lang="en" sz="1900"/>
+              <a:t>Aplicável em múltiplos domínios</a:t>
+            </a:r>
+            <a:endParaRPr sz="1900"/>
+          </a:p>
+          <a:p>
+            <a:pPr indent="-349250" lvl="1" marL="914400" rtl="0" algn="just">
               <a:lnSpc>
                 <a:spcPct val="100000"/>
               </a:lnSpc>
               <a:spcBef>
-                <a:spcPts val="1600"/>
+                <a:spcPts val="0"/>
               </a:spcBef>
               <a:spcAft>
                 <a:spcPts val="0"/>
               </a:spcAft>
               <a:buSzPts val="1900"/>
-              <a:buChar char="●"/>
+              <a:buChar char="○"/>
             </a:pPr>
             <a:r>
               <a:rPr lang="en" sz="1900"/>
-              <a:t>Aplicável a problemas práticos de grande escala.</a:t>
+              <a:t>Simplicidade e eficiência computacional</a:t>
             </a:r>
             <a:endParaRPr sz="1900"/>
           </a:p>
@@ -41939,7 +42326,7 @@
       </p:sp>
       <p:sp>
         <p:nvSpPr>
-          <p:cNvPr id="504" name="Google Shape;504;p30"/>
+          <p:cNvPr id="509" name="Google Shape;509;p31"/>
           <p:cNvSpPr txBox="1"/>
           <p:nvPr>
             <p:ph type="ctrTitle"/>
